--- a/Bilateral Debt Analysis Presentation.pptx
+++ b/Bilateral Debt Analysis Presentation.pptx
@@ -288,7 +288,7 @@
           <a:p>
             <a:fld id="{8669AFDC-7658-4951-B0FF-52DFF2A93C0A}" type="datetimeFigureOut">
               <a:rPr lang="en-US" smtClean="0"/>
-              <a:t>8/23/2022</a:t>
+              <a:t>10/23/2025</a:t>
             </a:fld>
             <a:endParaRPr lang="en-US"/>
           </a:p>
@@ -453,7 +453,7 @@
           <a:p>
             <a:fld id="{3ABD2D7A-D230-4F91-BD59-0A39C2703BA8}" type="datetimeFigureOut">
               <a:rPr lang="en-US" smtClean="0"/>
-              <a:t>8/23/2022</a:t>
+              <a:t>10/23/2025</a:t>
             </a:fld>
             <a:endParaRPr lang="en-US"/>
           </a:p>
@@ -1212,7 +1212,7 @@
           <a:p>
             <a:fld id="{03F41C87-7AD9-4845-A077-840E4A0F3F06}" type="datetimeFigureOut">
               <a:rPr lang="en-US"/>
-              <a:t>8/23/2022</a:t>
+              <a:t>10/23/2025</a:t>
             </a:fld>
             <a:endParaRPr/>
           </a:p>
@@ -1417,7 +1417,7 @@
           <a:p>
             <a:fld id="{03F41C87-7AD9-4845-A077-840E4A0F3F06}" type="datetimeFigureOut">
               <a:rPr lang="en-US"/>
-              <a:t>8/23/2022</a:t>
+              <a:t>10/23/2025</a:t>
             </a:fld>
             <a:endParaRPr/>
           </a:p>
@@ -1650,7 +1650,7 @@
           <a:p>
             <a:fld id="{03F41C87-7AD9-4845-A077-840E4A0F3F06}" type="datetimeFigureOut">
               <a:rPr lang="en-US"/>
-              <a:t>8/23/2022</a:t>
+              <a:t>10/23/2025</a:t>
             </a:fld>
             <a:endParaRPr/>
           </a:p>
@@ -2066,7 +2066,7 @@
           <a:p>
             <a:fld id="{03F41C87-7AD9-4845-A077-840E4A0F3F06}" type="datetimeFigureOut">
               <a:rPr lang="en-US"/>
-              <a:t>8/23/2022</a:t>
+              <a:t>10/23/2025</a:t>
             </a:fld>
             <a:endParaRPr/>
           </a:p>
@@ -2426,7 +2426,7 @@
           <a:p>
             <a:fld id="{03F41C87-7AD9-4845-A077-840E4A0F3F06}" type="datetimeFigureOut">
               <a:rPr lang="en-US"/>
-              <a:t>8/23/2022</a:t>
+              <a:t>10/23/2025</a:t>
             </a:fld>
             <a:endParaRPr/>
           </a:p>
@@ -2934,7 +2934,7 @@
           <a:p>
             <a:fld id="{03F41C87-7AD9-4845-A077-840E4A0F3F06}" type="datetimeFigureOut">
               <a:rPr lang="en-US"/>
-              <a:t>8/23/2022</a:t>
+              <a:t>10/23/2025</a:t>
             </a:fld>
             <a:endParaRPr/>
           </a:p>
@@ -3115,7 +3115,7 @@
           <a:p>
             <a:fld id="{03F41C87-7AD9-4845-A077-840E4A0F3F06}" type="datetimeFigureOut">
               <a:rPr lang="en-US"/>
-              <a:t>8/23/2022</a:t>
+              <a:t>10/23/2025</a:t>
             </a:fld>
             <a:endParaRPr/>
           </a:p>
@@ -3263,7 +3263,7 @@
           <a:p>
             <a:fld id="{03F41C87-7AD9-4845-A077-840E4A0F3F06}" type="datetimeFigureOut">
               <a:rPr lang="en-US"/>
-              <a:t>8/23/2022</a:t>
+              <a:t>10/23/2025</a:t>
             </a:fld>
             <a:endParaRPr/>
           </a:p>
@@ -3576,7 +3576,7 @@
           <a:p>
             <a:fld id="{03F41C87-7AD9-4845-A077-840E4A0F3F06}" type="datetimeFigureOut">
               <a:rPr lang="en-US"/>
-              <a:t>8/23/2022</a:t>
+              <a:t>10/23/2025</a:t>
             </a:fld>
             <a:endParaRPr/>
           </a:p>
@@ -4128,7 +4128,7 @@
             <a:fld id="{03F41C87-7AD9-4845-A077-840E4A0F3F06}" type="datetimeFigureOut">
               <a:rPr lang="en-US" smtClean="0"/>
               <a:pPr/>
-              <a:t>8/23/2022</a:t>
+              <a:t>10/23/2025</a:t>
             </a:fld>
             <a:endParaRPr lang="en-US"/>
           </a:p>
@@ -4972,7 +4972,7 @@
             <a:pPr algn="r"/>
             <a:r>
               <a:rPr lang="en-US" sz="1800" dirty="0"/>
-              <a:t>By Abhijeet Patil</a:t>
+              <a:t>By Avanish</a:t>
             </a:r>
           </a:p>
         </p:txBody>
@@ -5765,13 +5765,13 @@
   <p:clrMapOvr>
     <a:masterClrMapping/>
   </p:clrMapOvr>
-  <mc:AlternateContent xmlns:mc="http://schemas.openxmlformats.org/markup-compatibility/2006">
-    <mc:Choice xmlns:p14="http://schemas.microsoft.com/office/powerpoint/2010/main" Requires="p14">
+  <mc:AlternateContent xmlns:mc="http://schemas.openxmlformats.org/markup-compatibility/2006" xmlns:p14="http://schemas.microsoft.com/office/powerpoint/2010/main">
+    <mc:Choice Requires="p14">
       <p:transition spd="med" p14:dur="700">
         <p:fade/>
       </p:transition>
     </mc:Choice>
-    <mc:Fallback>
+    <mc:Fallback xmlns="">
       <p:transition spd="med">
         <p:fade/>
       </p:transition>
